--- a/Team LooselyCoupled Submission.pptx
+++ b/Team LooselyCoupled Submission.pptx
@@ -110,6 +110,11 @@
       </a:defRPr>
     </a:lvl9pPr>
   </p:defaultTextStyle>
+  <p:extLst>
+    <p:ext uri="{EFAFB233-063F-42B5-8137-9DF3F51BA10A}">
+      <p15:sldGuideLst xmlns:p15="http://schemas.microsoft.com/office/powerpoint/2012/main"/>
+    </p:ext>
+  </p:extLst>
 </p:presentation>
 </file>
 
@@ -167,7 +172,7 @@
           </a:lstStyle>
           <a:p>
             <a:r>
-              <a:rPr lang="en-US" smtClean="0"/>
+              <a:rPr lang="en-US"/>
               <a:t>Click to edit Master title style</a:t>
             </a:r>
             <a:endParaRPr lang="en-US" dirty="0"/>
@@ -287,7 +292,7 @@
           </a:lstStyle>
           <a:p>
             <a:r>
-              <a:rPr lang="en-US" smtClean="0"/>
+              <a:rPr lang="en-US"/>
               <a:t>Click to edit Master subtitle style</a:t>
             </a:r>
             <a:endParaRPr lang="en-US" dirty="0"/>
@@ -311,7 +316,7 @@
           <a:p>
             <a:fld id="{D962D8EA-8A93-441C-9BE0-70B25C9188D0}" type="datetimeFigureOut">
               <a:rPr lang="en-IN" smtClean="0"/>
-              <a:t>16-12-2020</a:t>
+              <a:t>06-01-2021</a:t>
             </a:fld>
             <a:endParaRPr lang="en-IN"/>
           </a:p>
@@ -416,7 +421,7 @@
           </a:lstStyle>
           <a:p>
             <a:r>
-              <a:rPr lang="en-US" smtClean="0"/>
+              <a:rPr lang="en-US"/>
               <a:t>Click to edit Master title style</a:t>
             </a:r>
             <a:endParaRPr lang="en-US" dirty="0"/>
@@ -495,7 +500,7 @@
           </a:lstStyle>
           <a:p>
             <a:r>
-              <a:rPr lang="en-US" smtClean="0"/>
+              <a:rPr lang="en-US"/>
               <a:t>Click icon to add picture</a:t>
             </a:r>
             <a:endParaRPr lang="en-US" dirty="0"/>
@@ -563,7 +568,7 @@
           <a:p>
             <a:pPr lvl="0"/>
             <a:r>
-              <a:rPr lang="en-US" smtClean="0"/>
+              <a:rPr lang="en-US"/>
               <a:t>Click to edit Master text styles</a:t>
             </a:r>
           </a:p>
@@ -586,7 +591,7 @@
           <a:p>
             <a:fld id="{D962D8EA-8A93-441C-9BE0-70B25C9188D0}" type="datetimeFigureOut">
               <a:rPr lang="en-IN" smtClean="0"/>
-              <a:t>16-12-2020</a:t>
+              <a:t>06-01-2021</a:t>
             </a:fld>
             <a:endParaRPr lang="en-IN"/>
           </a:p>
@@ -689,7 +694,7 @@
           </a:lstStyle>
           <a:p>
             <a:r>
-              <a:rPr lang="en-US" smtClean="0"/>
+              <a:rPr lang="en-US"/>
               <a:t>Click to edit Master title style</a:t>
             </a:r>
             <a:endParaRPr lang="en-US" dirty="0"/>
@@ -757,7 +762,7 @@
           <a:p>
             <a:pPr lvl="0"/>
             <a:r>
-              <a:rPr lang="en-US" smtClean="0"/>
+              <a:rPr lang="en-US"/>
               <a:t>Click to edit Master text styles</a:t>
             </a:r>
           </a:p>
@@ -780,7 +785,7 @@
           <a:p>
             <a:fld id="{D962D8EA-8A93-441C-9BE0-70B25C9188D0}" type="datetimeFigureOut">
               <a:rPr lang="en-IN" smtClean="0"/>
-              <a:t>16-12-2020</a:t>
+              <a:t>06-01-2021</a:t>
             </a:fld>
             <a:endParaRPr lang="en-IN"/>
           </a:p>
@@ -883,7 +888,7 @@
           </a:lstStyle>
           <a:p>
             <a:r>
-              <a:rPr lang="en-US" smtClean="0"/>
+              <a:rPr lang="en-US"/>
               <a:t>Click to edit Master title style</a:t>
             </a:r>
             <a:endParaRPr lang="en-US" dirty="0"/>
@@ -963,7 +968,7 @@
               <a:buNone/>
             </a:pPr>
             <a:r>
-              <a:rPr lang="en-US" smtClean="0"/>
+              <a:rPr lang="en-US"/>
               <a:t>Click to edit Master text styles</a:t>
             </a:r>
           </a:p>
@@ -1030,7 +1035,7 @@
           <a:p>
             <a:pPr lvl="0"/>
             <a:r>
-              <a:rPr lang="en-US" smtClean="0"/>
+              <a:rPr lang="en-US"/>
               <a:t>Click to edit Master text styles</a:t>
             </a:r>
           </a:p>
@@ -1053,7 +1058,7 @@
           <a:p>
             <a:fld id="{D962D8EA-8A93-441C-9BE0-70B25C9188D0}" type="datetimeFigureOut">
               <a:rPr lang="en-IN" smtClean="0"/>
-              <a:t>16-12-2020</a:t>
+              <a:t>06-01-2021</a:t>
             </a:fld>
             <a:endParaRPr lang="en-IN"/>
           </a:p>
@@ -1250,7 +1255,7 @@
           </a:lstStyle>
           <a:p>
             <a:r>
-              <a:rPr lang="en-US" smtClean="0"/>
+              <a:rPr lang="en-US"/>
               <a:t>Click to edit Master title style</a:t>
             </a:r>
             <a:endParaRPr lang="en-US" dirty="0"/>
@@ -1371,7 +1376,7 @@
           <a:p>
             <a:pPr lvl="0"/>
             <a:r>
-              <a:rPr lang="en-US" smtClean="0"/>
+              <a:rPr lang="en-US"/>
               <a:t>Click to edit Master text styles</a:t>
             </a:r>
           </a:p>
@@ -1394,7 +1399,7 @@
           <a:p>
             <a:fld id="{D962D8EA-8A93-441C-9BE0-70B25C9188D0}" type="datetimeFigureOut">
               <a:rPr lang="en-IN" smtClean="0"/>
-              <a:t>16-12-2020</a:t>
+              <a:t>06-01-2021</a:t>
             </a:fld>
             <a:endParaRPr lang="en-IN"/>
           </a:p>
@@ -1492,7 +1497,7 @@
           </a:lstStyle>
           <a:p>
             <a:r>
-              <a:rPr lang="en-US" smtClean="0"/>
+              <a:rPr lang="en-US"/>
               <a:t>Click to edit Master title style</a:t>
             </a:r>
             <a:endParaRPr lang="en-US" dirty="0"/>
@@ -1567,7 +1572,7 @@
           <a:p>
             <a:pPr lvl="0"/>
             <a:r>
-              <a:rPr lang="en-US" smtClean="0"/>
+              <a:rPr lang="en-US"/>
               <a:t>Click to edit Master text styles</a:t>
             </a:r>
           </a:p>
@@ -1634,7 +1639,7 @@
           <a:p>
             <a:pPr lvl="0"/>
             <a:r>
-              <a:rPr lang="en-US" smtClean="0"/>
+              <a:rPr lang="en-US"/>
               <a:t>Click to edit Master text styles</a:t>
             </a:r>
           </a:p>
@@ -1708,7 +1713,7 @@
           <a:p>
             <a:pPr lvl="0"/>
             <a:r>
-              <a:rPr lang="en-US" smtClean="0"/>
+              <a:rPr lang="en-US"/>
               <a:t>Click to edit Master text styles</a:t>
             </a:r>
           </a:p>
@@ -1775,7 +1780,7 @@
           <a:p>
             <a:pPr lvl="0"/>
             <a:r>
-              <a:rPr lang="en-US" smtClean="0"/>
+              <a:rPr lang="en-US"/>
               <a:t>Click to edit Master text styles</a:t>
             </a:r>
           </a:p>
@@ -1849,7 +1854,7 @@
           <a:p>
             <a:pPr lvl="0"/>
             <a:r>
-              <a:rPr lang="en-US" smtClean="0"/>
+              <a:rPr lang="en-US"/>
               <a:t>Click to edit Master text styles</a:t>
             </a:r>
           </a:p>
@@ -1916,7 +1921,7 @@
           <a:p>
             <a:pPr lvl="0"/>
             <a:r>
-              <a:rPr lang="en-US" smtClean="0"/>
+              <a:rPr lang="en-US"/>
               <a:t>Click to edit Master text styles</a:t>
             </a:r>
           </a:p>
@@ -2017,7 +2022,7 @@
           <a:p>
             <a:fld id="{D962D8EA-8A93-441C-9BE0-70B25C9188D0}" type="datetimeFigureOut">
               <a:rPr lang="en-IN" smtClean="0"/>
-              <a:t>16-12-2020</a:t>
+              <a:t>06-01-2021</a:t>
             </a:fld>
             <a:endParaRPr lang="en-IN"/>
           </a:p>
@@ -2115,7 +2120,7 @@
           </a:lstStyle>
           <a:p>
             <a:r>
-              <a:rPr lang="en-US" smtClean="0"/>
+              <a:rPr lang="en-US"/>
               <a:t>Click to edit Master title style</a:t>
             </a:r>
             <a:endParaRPr lang="en-US" dirty="0"/>
@@ -2190,7 +2195,7 @@
           <a:p>
             <a:pPr lvl="0"/>
             <a:r>
-              <a:rPr lang="en-US" smtClean="0"/>
+              <a:rPr lang="en-US"/>
               <a:t>Click to edit Master text styles</a:t>
             </a:r>
           </a:p>
@@ -2268,7 +2273,7 @@
           </a:lstStyle>
           <a:p>
             <a:r>
-              <a:rPr lang="en-US" smtClean="0"/>
+              <a:rPr lang="en-US"/>
               <a:t>Click icon to add picture</a:t>
             </a:r>
             <a:endParaRPr lang="en-US" dirty="0"/>
@@ -2336,7 +2341,7 @@
           <a:p>
             <a:pPr lvl="0"/>
             <a:r>
-              <a:rPr lang="en-US" smtClean="0"/>
+              <a:rPr lang="en-US"/>
               <a:t>Click to edit Master text styles</a:t>
             </a:r>
           </a:p>
@@ -2410,7 +2415,7 @@
           <a:p>
             <a:pPr lvl="0"/>
             <a:r>
-              <a:rPr lang="en-US" smtClean="0"/>
+              <a:rPr lang="en-US"/>
               <a:t>Click to edit Master text styles</a:t>
             </a:r>
           </a:p>
@@ -2488,7 +2493,7 @@
           </a:lstStyle>
           <a:p>
             <a:r>
-              <a:rPr lang="en-US" smtClean="0"/>
+              <a:rPr lang="en-US"/>
               <a:t>Click icon to add picture</a:t>
             </a:r>
             <a:endParaRPr lang="en-US" dirty="0"/>
@@ -2556,7 +2561,7 @@
           <a:p>
             <a:pPr lvl="0"/>
             <a:r>
-              <a:rPr lang="en-US" smtClean="0"/>
+              <a:rPr lang="en-US"/>
               <a:t>Click to edit Master text styles</a:t>
             </a:r>
           </a:p>
@@ -2630,7 +2635,7 @@
           <a:p>
             <a:pPr lvl="0"/>
             <a:r>
-              <a:rPr lang="en-US" smtClean="0"/>
+              <a:rPr lang="en-US"/>
               <a:t>Click to edit Master text styles</a:t>
             </a:r>
           </a:p>
@@ -2708,7 +2713,7 @@
           </a:lstStyle>
           <a:p>
             <a:r>
-              <a:rPr lang="en-US" smtClean="0"/>
+              <a:rPr lang="en-US"/>
               <a:t>Click icon to add picture</a:t>
             </a:r>
             <a:endParaRPr lang="en-US" dirty="0"/>
@@ -2776,7 +2781,7 @@
           <a:p>
             <a:pPr lvl="0"/>
             <a:r>
-              <a:rPr lang="en-US" smtClean="0"/>
+              <a:rPr lang="en-US"/>
               <a:t>Click to edit Master text styles</a:t>
             </a:r>
           </a:p>
@@ -2877,7 +2882,7 @@
           <a:p>
             <a:fld id="{D962D8EA-8A93-441C-9BE0-70B25C9188D0}" type="datetimeFigureOut">
               <a:rPr lang="en-IN" smtClean="0"/>
-              <a:t>16-12-2020</a:t>
+              <a:t>06-01-2021</a:t>
             </a:fld>
             <a:endParaRPr lang="en-IN"/>
           </a:p>
@@ -2971,7 +2976,7 @@
           <a:lstStyle/>
           <a:p>
             <a:r>
-              <a:rPr lang="en-US" smtClean="0"/>
+              <a:rPr lang="en-US"/>
               <a:t>Click to edit Master title style</a:t>
             </a:r>
             <a:endParaRPr lang="en-US" dirty="0"/>
@@ -2995,35 +3000,35 @@
           <a:p>
             <a:pPr lvl="0"/>
             <a:r>
-              <a:rPr lang="en-US" smtClean="0"/>
+              <a:rPr lang="en-US"/>
               <a:t>Click to edit Master text styles</a:t>
             </a:r>
           </a:p>
           <a:p>
             <a:pPr lvl="1"/>
             <a:r>
-              <a:rPr lang="en-US" smtClean="0"/>
+              <a:rPr lang="en-US"/>
               <a:t>Second level</a:t>
             </a:r>
           </a:p>
           <a:p>
             <a:pPr lvl="2"/>
             <a:r>
-              <a:rPr lang="en-US" smtClean="0"/>
+              <a:rPr lang="en-US"/>
               <a:t>Third level</a:t>
             </a:r>
           </a:p>
           <a:p>
             <a:pPr lvl="3"/>
             <a:r>
-              <a:rPr lang="en-US" smtClean="0"/>
+              <a:rPr lang="en-US"/>
               <a:t>Fourth level</a:t>
             </a:r>
           </a:p>
           <a:p>
             <a:pPr lvl="4"/>
             <a:r>
-              <a:rPr lang="en-US" smtClean="0"/>
+              <a:rPr lang="en-US"/>
               <a:t>Fifth level</a:t>
             </a:r>
             <a:endParaRPr lang="en-US" dirty="0"/>
@@ -3047,7 +3052,7 @@
           <a:p>
             <a:fld id="{D962D8EA-8A93-441C-9BE0-70B25C9188D0}" type="datetimeFigureOut">
               <a:rPr lang="en-IN" smtClean="0"/>
-              <a:t>16-12-2020</a:t>
+              <a:t>06-01-2021</a:t>
             </a:fld>
             <a:endParaRPr lang="en-IN"/>
           </a:p>
@@ -3146,7 +3151,7 @@
           <a:lstStyle/>
           <a:p>
             <a:r>
-              <a:rPr lang="en-US" smtClean="0"/>
+              <a:rPr lang="en-US"/>
               <a:t>Click to edit Master title style</a:t>
             </a:r>
             <a:endParaRPr lang="en-US" dirty="0"/>
@@ -3175,35 +3180,35 @@
           <a:p>
             <a:pPr lvl="0"/>
             <a:r>
-              <a:rPr lang="en-US" smtClean="0"/>
+              <a:rPr lang="en-US"/>
               <a:t>Click to edit Master text styles</a:t>
             </a:r>
           </a:p>
           <a:p>
             <a:pPr lvl="1"/>
             <a:r>
-              <a:rPr lang="en-US" smtClean="0"/>
+              <a:rPr lang="en-US"/>
               <a:t>Second level</a:t>
             </a:r>
           </a:p>
           <a:p>
             <a:pPr lvl="2"/>
             <a:r>
-              <a:rPr lang="en-US" smtClean="0"/>
+              <a:rPr lang="en-US"/>
               <a:t>Third level</a:t>
             </a:r>
           </a:p>
           <a:p>
             <a:pPr lvl="3"/>
             <a:r>
-              <a:rPr lang="en-US" smtClean="0"/>
+              <a:rPr lang="en-US"/>
               <a:t>Fourth level</a:t>
             </a:r>
           </a:p>
           <a:p>
             <a:pPr lvl="4"/>
             <a:r>
-              <a:rPr lang="en-US" smtClean="0"/>
+              <a:rPr lang="en-US"/>
               <a:t>Fifth level</a:t>
             </a:r>
             <a:endParaRPr lang="en-US" dirty="0"/>
@@ -3227,7 +3232,7 @@
           <a:p>
             <a:fld id="{D962D8EA-8A93-441C-9BE0-70B25C9188D0}" type="datetimeFigureOut">
               <a:rPr lang="en-IN" smtClean="0"/>
-              <a:t>16-12-2020</a:t>
+              <a:t>06-01-2021</a:t>
             </a:fld>
             <a:endParaRPr lang="en-IN"/>
           </a:p>
@@ -3321,7 +3326,7 @@
           <a:lstStyle/>
           <a:p>
             <a:r>
-              <a:rPr lang="en-US" smtClean="0"/>
+              <a:rPr lang="en-US"/>
               <a:t>Click to edit Master title style</a:t>
             </a:r>
             <a:endParaRPr lang="en-US" dirty="0"/>
@@ -3345,35 +3350,35 @@
           <a:p>
             <a:pPr lvl="0"/>
             <a:r>
-              <a:rPr lang="en-US" smtClean="0"/>
+              <a:rPr lang="en-US"/>
               <a:t>Click to edit Master text styles</a:t>
             </a:r>
           </a:p>
           <a:p>
             <a:pPr lvl="1"/>
             <a:r>
-              <a:rPr lang="en-US" smtClean="0"/>
+              <a:rPr lang="en-US"/>
               <a:t>Second level</a:t>
             </a:r>
           </a:p>
           <a:p>
             <a:pPr lvl="2"/>
             <a:r>
-              <a:rPr lang="en-US" smtClean="0"/>
+              <a:rPr lang="en-US"/>
               <a:t>Third level</a:t>
             </a:r>
           </a:p>
           <a:p>
             <a:pPr lvl="3"/>
             <a:r>
-              <a:rPr lang="en-US" smtClean="0"/>
+              <a:rPr lang="en-US"/>
               <a:t>Fourth level</a:t>
             </a:r>
           </a:p>
           <a:p>
             <a:pPr lvl="4"/>
             <a:r>
-              <a:rPr lang="en-US" smtClean="0"/>
+              <a:rPr lang="en-US"/>
               <a:t>Fifth level</a:t>
             </a:r>
             <a:endParaRPr lang="en-US" dirty="0"/>
@@ -3397,7 +3402,7 @@
           <a:p>
             <a:fld id="{D962D8EA-8A93-441C-9BE0-70B25C9188D0}" type="datetimeFigureOut">
               <a:rPr lang="en-IN" smtClean="0"/>
-              <a:t>16-12-2020</a:t>
+              <a:t>06-01-2021</a:t>
             </a:fld>
             <a:endParaRPr lang="en-IN"/>
           </a:p>
@@ -3500,7 +3505,7 @@
           </a:lstStyle>
           <a:p>
             <a:r>
-              <a:rPr lang="en-US" smtClean="0"/>
+              <a:rPr lang="en-US"/>
               <a:t>Click to edit Master title style</a:t>
             </a:r>
             <a:endParaRPr lang="en-US" dirty="0"/>
@@ -3621,7 +3626,7 @@
           <a:p>
             <a:pPr lvl="0"/>
             <a:r>
-              <a:rPr lang="en-US" smtClean="0"/>
+              <a:rPr lang="en-US"/>
               <a:t>Click to edit Master text styles</a:t>
             </a:r>
           </a:p>
@@ -3644,7 +3649,7 @@
           <a:p>
             <a:fld id="{D962D8EA-8A93-441C-9BE0-70B25C9188D0}" type="datetimeFigureOut">
               <a:rPr lang="en-IN" smtClean="0"/>
-              <a:t>16-12-2020</a:t>
+              <a:t>06-01-2021</a:t>
             </a:fld>
             <a:endParaRPr lang="en-IN"/>
           </a:p>
@@ -3738,7 +3743,7 @@
           <a:lstStyle/>
           <a:p>
             <a:r>
-              <a:rPr lang="en-US" smtClean="0"/>
+              <a:rPr lang="en-US"/>
               <a:t>Click to edit Master title style</a:t>
             </a:r>
             <a:endParaRPr lang="en-US" dirty="0"/>
@@ -3797,35 +3802,35 @@
           <a:p>
             <a:pPr lvl="0"/>
             <a:r>
-              <a:rPr lang="en-US" smtClean="0"/>
+              <a:rPr lang="en-US"/>
               <a:t>Click to edit Master text styles</a:t>
             </a:r>
           </a:p>
           <a:p>
             <a:pPr lvl="1"/>
             <a:r>
-              <a:rPr lang="en-US" smtClean="0"/>
+              <a:rPr lang="en-US"/>
               <a:t>Second level</a:t>
             </a:r>
           </a:p>
           <a:p>
             <a:pPr lvl="2"/>
             <a:r>
-              <a:rPr lang="en-US" smtClean="0"/>
+              <a:rPr lang="en-US"/>
               <a:t>Third level</a:t>
             </a:r>
           </a:p>
           <a:p>
             <a:pPr lvl="3"/>
             <a:r>
-              <a:rPr lang="en-US" smtClean="0"/>
+              <a:rPr lang="en-US"/>
               <a:t>Fourth level</a:t>
             </a:r>
           </a:p>
           <a:p>
             <a:pPr lvl="4"/>
             <a:r>
-              <a:rPr lang="en-US" smtClean="0"/>
+              <a:rPr lang="en-US"/>
               <a:t>Fifth level</a:t>
             </a:r>
             <a:endParaRPr lang="en-US" dirty="0"/>
@@ -3884,35 +3889,35 @@
           <a:p>
             <a:pPr lvl="0"/>
             <a:r>
-              <a:rPr lang="en-US" smtClean="0"/>
+              <a:rPr lang="en-US"/>
               <a:t>Click to edit Master text styles</a:t>
             </a:r>
           </a:p>
           <a:p>
             <a:pPr lvl="1"/>
             <a:r>
-              <a:rPr lang="en-US" smtClean="0"/>
+              <a:rPr lang="en-US"/>
               <a:t>Second level</a:t>
             </a:r>
           </a:p>
           <a:p>
             <a:pPr lvl="2"/>
             <a:r>
-              <a:rPr lang="en-US" smtClean="0"/>
+              <a:rPr lang="en-US"/>
               <a:t>Third level</a:t>
             </a:r>
           </a:p>
           <a:p>
             <a:pPr lvl="3"/>
             <a:r>
-              <a:rPr lang="en-US" smtClean="0"/>
+              <a:rPr lang="en-US"/>
               <a:t>Fourth level</a:t>
             </a:r>
           </a:p>
           <a:p>
             <a:pPr lvl="4"/>
             <a:r>
-              <a:rPr lang="en-US" smtClean="0"/>
+              <a:rPr lang="en-US"/>
               <a:t>Fifth level</a:t>
             </a:r>
             <a:endParaRPr lang="en-US" dirty="0"/>
@@ -3936,7 +3941,7 @@
           <a:p>
             <a:fld id="{D962D8EA-8A93-441C-9BE0-70B25C9188D0}" type="datetimeFigureOut">
               <a:rPr lang="en-IN" smtClean="0"/>
-              <a:t>16-12-2020</a:t>
+              <a:t>06-01-2021</a:t>
             </a:fld>
             <a:endParaRPr lang="en-IN"/>
           </a:p>
@@ -4034,7 +4039,7 @@
           </a:lstStyle>
           <a:p>
             <a:r>
-              <a:rPr lang="en-US" smtClean="0"/>
+              <a:rPr lang="en-US"/>
               <a:t>Click to edit Master title style</a:t>
             </a:r>
             <a:endParaRPr lang="en-US" dirty="0"/>
@@ -4109,7 +4114,7 @@
           <a:p>
             <a:pPr lvl="0"/>
             <a:r>
-              <a:rPr lang="en-US" smtClean="0"/>
+              <a:rPr lang="en-US"/>
               <a:t>Click to edit Master text styles</a:t>
             </a:r>
           </a:p>
@@ -4167,35 +4172,35 @@
           <a:p>
             <a:pPr lvl="0"/>
             <a:r>
-              <a:rPr lang="en-US" smtClean="0"/>
+              <a:rPr lang="en-US"/>
               <a:t>Click to edit Master text styles</a:t>
             </a:r>
           </a:p>
           <a:p>
             <a:pPr lvl="1"/>
             <a:r>
-              <a:rPr lang="en-US" smtClean="0"/>
+              <a:rPr lang="en-US"/>
               <a:t>Second level</a:t>
             </a:r>
           </a:p>
           <a:p>
             <a:pPr lvl="2"/>
             <a:r>
-              <a:rPr lang="en-US" smtClean="0"/>
+              <a:rPr lang="en-US"/>
               <a:t>Third level</a:t>
             </a:r>
           </a:p>
           <a:p>
             <a:pPr lvl="3"/>
             <a:r>
-              <a:rPr lang="en-US" smtClean="0"/>
+              <a:rPr lang="en-US"/>
               <a:t>Fourth level</a:t>
             </a:r>
           </a:p>
           <a:p>
             <a:pPr lvl="4"/>
             <a:r>
-              <a:rPr lang="en-US" smtClean="0"/>
+              <a:rPr lang="en-US"/>
               <a:t>Fifth level</a:t>
             </a:r>
             <a:endParaRPr lang="en-US" dirty="0"/>
@@ -4270,7 +4275,7 @@
           <a:p>
             <a:pPr lvl="0"/>
             <a:r>
-              <a:rPr lang="en-US" smtClean="0"/>
+              <a:rPr lang="en-US"/>
               <a:t>Click to edit Master text styles</a:t>
             </a:r>
           </a:p>
@@ -4328,35 +4333,35 @@
           <a:p>
             <a:pPr lvl="0"/>
             <a:r>
-              <a:rPr lang="en-US" smtClean="0"/>
+              <a:rPr lang="en-US"/>
               <a:t>Click to edit Master text styles</a:t>
             </a:r>
           </a:p>
           <a:p>
             <a:pPr lvl="1"/>
             <a:r>
-              <a:rPr lang="en-US" smtClean="0"/>
+              <a:rPr lang="en-US"/>
               <a:t>Second level</a:t>
             </a:r>
           </a:p>
           <a:p>
             <a:pPr lvl="2"/>
             <a:r>
-              <a:rPr lang="en-US" smtClean="0"/>
+              <a:rPr lang="en-US"/>
               <a:t>Third level</a:t>
             </a:r>
           </a:p>
           <a:p>
             <a:pPr lvl="3"/>
             <a:r>
-              <a:rPr lang="en-US" smtClean="0"/>
+              <a:rPr lang="en-US"/>
               <a:t>Fourth level</a:t>
             </a:r>
           </a:p>
           <a:p>
             <a:pPr lvl="4"/>
             <a:r>
-              <a:rPr lang="en-US" smtClean="0"/>
+              <a:rPr lang="en-US"/>
               <a:t>Fifth level</a:t>
             </a:r>
             <a:endParaRPr lang="en-US" dirty="0"/>
@@ -4380,7 +4385,7 @@
           <a:p>
             <a:fld id="{D962D8EA-8A93-441C-9BE0-70B25C9188D0}" type="datetimeFigureOut">
               <a:rPr lang="en-IN" smtClean="0"/>
-              <a:t>16-12-2020</a:t>
+              <a:t>06-01-2021</a:t>
             </a:fld>
             <a:endParaRPr lang="en-IN"/>
           </a:p>
@@ -4474,7 +4479,7 @@
           <a:lstStyle/>
           <a:p>
             <a:r>
-              <a:rPr lang="en-US" smtClean="0"/>
+              <a:rPr lang="en-US"/>
               <a:t>Click to edit Master title style</a:t>
             </a:r>
             <a:endParaRPr lang="en-US" dirty="0"/>
@@ -4498,7 +4503,7 @@
           <a:p>
             <a:fld id="{D962D8EA-8A93-441C-9BE0-70B25C9188D0}" type="datetimeFigureOut">
               <a:rPr lang="en-IN" smtClean="0"/>
-              <a:t>16-12-2020</a:t>
+              <a:t>06-01-2021</a:t>
             </a:fld>
             <a:endParaRPr lang="en-IN"/>
           </a:p>
@@ -4593,7 +4598,7 @@
           <a:p>
             <a:fld id="{D962D8EA-8A93-441C-9BE0-70B25C9188D0}" type="datetimeFigureOut">
               <a:rPr lang="en-IN" smtClean="0"/>
-              <a:t>16-12-2020</a:t>
+              <a:t>06-01-2021</a:t>
             </a:fld>
             <a:endParaRPr lang="en-IN"/>
           </a:p>
@@ -4696,7 +4701,7 @@
           </a:lstStyle>
           <a:p>
             <a:r>
-              <a:rPr lang="en-US" smtClean="0"/>
+              <a:rPr lang="en-US"/>
               <a:t>Click to edit Master title style</a:t>
             </a:r>
             <a:endParaRPr lang="en-US" dirty="0"/>
@@ -4755,35 +4760,35 @@
           <a:p>
             <a:pPr lvl="0"/>
             <a:r>
-              <a:rPr lang="en-US" smtClean="0"/>
+              <a:rPr lang="en-US"/>
               <a:t>Click to edit Master text styles</a:t>
             </a:r>
           </a:p>
           <a:p>
             <a:pPr lvl="1"/>
             <a:r>
-              <a:rPr lang="en-US" smtClean="0"/>
+              <a:rPr lang="en-US"/>
               <a:t>Second level</a:t>
             </a:r>
           </a:p>
           <a:p>
             <a:pPr lvl="2"/>
             <a:r>
-              <a:rPr lang="en-US" smtClean="0"/>
+              <a:rPr lang="en-US"/>
               <a:t>Third level</a:t>
             </a:r>
           </a:p>
           <a:p>
             <a:pPr lvl="3"/>
             <a:r>
-              <a:rPr lang="en-US" smtClean="0"/>
+              <a:rPr lang="en-US"/>
               <a:t>Fourth level</a:t>
             </a:r>
           </a:p>
           <a:p>
             <a:pPr lvl="4"/>
             <a:r>
-              <a:rPr lang="en-US" smtClean="0"/>
+              <a:rPr lang="en-US"/>
               <a:t>Fifth level</a:t>
             </a:r>
             <a:endParaRPr lang="en-US" dirty="0"/>
@@ -4849,7 +4854,7 @@
           <a:p>
             <a:pPr lvl="0"/>
             <a:r>
-              <a:rPr lang="en-US" smtClean="0"/>
+              <a:rPr lang="en-US"/>
               <a:t>Click to edit Master text styles</a:t>
             </a:r>
           </a:p>
@@ -4872,7 +4877,7 @@
           <a:p>
             <a:fld id="{D962D8EA-8A93-441C-9BE0-70B25C9188D0}" type="datetimeFigureOut">
               <a:rPr lang="en-IN" smtClean="0"/>
-              <a:t>16-12-2020</a:t>
+              <a:t>06-01-2021</a:t>
             </a:fld>
             <a:endParaRPr lang="en-IN"/>
           </a:p>
@@ -4977,7 +4982,7 @@
           </a:lstStyle>
           <a:p>
             <a:r>
-              <a:rPr lang="en-US" smtClean="0"/>
+              <a:rPr lang="en-US"/>
               <a:t>Click to edit Master title style</a:t>
             </a:r>
             <a:endParaRPr lang="en-US" dirty="0"/>
@@ -5056,7 +5061,7 @@
           </a:lstStyle>
           <a:p>
             <a:r>
-              <a:rPr lang="en-US" smtClean="0"/>
+              <a:rPr lang="en-US"/>
               <a:t>Click icon to add picture</a:t>
             </a:r>
             <a:endParaRPr lang="en-US" dirty="0"/>
@@ -5124,7 +5129,7 @@
           <a:p>
             <a:pPr lvl="0"/>
             <a:r>
-              <a:rPr lang="en-US" smtClean="0"/>
+              <a:rPr lang="en-US"/>
               <a:t>Click to edit Master text styles</a:t>
             </a:r>
           </a:p>
@@ -5147,7 +5152,7 @@
           <a:p>
             <a:fld id="{D962D8EA-8A93-441C-9BE0-70B25C9188D0}" type="datetimeFigureOut">
               <a:rPr lang="en-IN" smtClean="0"/>
-              <a:t>16-12-2020</a:t>
+              <a:t>06-01-2021</a:t>
             </a:fld>
             <a:endParaRPr lang="en-IN"/>
           </a:p>
@@ -5471,7 +5476,7 @@
           <a:lstStyle/>
           <a:p>
             <a:r>
-              <a:rPr lang="en-US" smtClean="0"/>
+              <a:rPr lang="en-US"/>
               <a:t>Click to edit Master title style</a:t>
             </a:r>
             <a:endParaRPr lang="en-US" dirty="0"/>
@@ -5505,35 +5510,35 @@
           <a:p>
             <a:pPr lvl="0"/>
             <a:r>
-              <a:rPr lang="en-US" smtClean="0"/>
+              <a:rPr lang="en-US"/>
               <a:t>Click to edit Master text styles</a:t>
             </a:r>
           </a:p>
           <a:p>
             <a:pPr lvl="1"/>
             <a:r>
-              <a:rPr lang="en-US" smtClean="0"/>
+              <a:rPr lang="en-US"/>
               <a:t>Second level</a:t>
             </a:r>
           </a:p>
           <a:p>
             <a:pPr lvl="2"/>
             <a:r>
-              <a:rPr lang="en-US" smtClean="0"/>
+              <a:rPr lang="en-US"/>
               <a:t>Third level</a:t>
             </a:r>
           </a:p>
           <a:p>
             <a:pPr lvl="3"/>
             <a:r>
-              <a:rPr lang="en-US" smtClean="0"/>
+              <a:rPr lang="en-US"/>
               <a:t>Fourth level</a:t>
             </a:r>
           </a:p>
           <a:p>
             <a:pPr lvl="4"/>
             <a:r>
-              <a:rPr lang="en-US" smtClean="0"/>
+              <a:rPr lang="en-US"/>
               <a:t>Fifth level</a:t>
             </a:r>
             <a:endParaRPr lang="en-US" dirty="0"/>
@@ -5576,7 +5581,7 @@
           <a:p>
             <a:fld id="{D962D8EA-8A93-441C-9BE0-70B25C9188D0}" type="datetimeFigureOut">
               <a:rPr lang="en-IN" smtClean="0"/>
-              <a:t>16-12-2020</a:t>
+              <a:t>06-01-2021</a:t>
             </a:fld>
             <a:endParaRPr lang="en-IN"/>
           </a:p>
@@ -6142,7 +6147,7 @@
           <a:p>
             <a:pPr algn="l"/>
             <a:r>
-              <a:rPr lang="en-IN" dirty="0" smtClean="0">
+              <a:rPr lang="en-IN" dirty="0">
                 <a:solidFill>
                   <a:schemeClr val="tx1"/>
                 </a:solidFill>
@@ -6150,7 +6155,7 @@
               <a:t>                  </a:t>
             </a:r>
             <a:r>
-              <a:rPr lang="en-IN" sz="4800" dirty="0" smtClean="0">
+              <a:rPr lang="en-IN" sz="4800" dirty="0">
                 <a:solidFill>
                   <a:schemeClr val="tx1"/>
                 </a:solidFill>
@@ -6158,7 +6163,7 @@
               <a:t>           Team </a:t>
             </a:r>
             <a:r>
-              <a:rPr lang="en-IN" sz="4800" dirty="0" err="1" smtClean="0">
+              <a:rPr lang="en-IN" sz="4800" dirty="0" err="1">
                 <a:solidFill>
                   <a:schemeClr val="tx1"/>
                 </a:solidFill>
@@ -6197,7 +6202,7 @@
           <a:p>
             <a:pPr algn="l"/>
             <a:r>
-              <a:rPr lang="en-IN" dirty="0" smtClean="0">
+              <a:rPr lang="en-IN" dirty="0">
                 <a:solidFill>
                   <a:schemeClr val="tx1"/>
                 </a:solidFill>
@@ -6205,14 +6210,14 @@
               <a:t>Vijay </a:t>
             </a:r>
             <a:r>
-              <a:rPr lang="en-IN" dirty="0" err="1" smtClean="0">
+              <a:rPr lang="en-IN" dirty="0" err="1">
                 <a:solidFill>
                   <a:schemeClr val="tx1"/>
                 </a:solidFill>
               </a:rPr>
               <a:t>Kurra</a:t>
             </a:r>
-            <a:endParaRPr lang="en-IN" dirty="0" smtClean="0">
+            <a:endParaRPr lang="en-IN" dirty="0">
               <a:solidFill>
                 <a:schemeClr val="tx1"/>
               </a:solidFill>
@@ -6221,7 +6226,7 @@
           <a:p>
             <a:pPr algn="l"/>
             <a:r>
-              <a:rPr lang="en-IN" dirty="0" err="1" smtClean="0">
+              <a:rPr lang="en-IN" dirty="0" err="1">
                 <a:solidFill>
                   <a:schemeClr val="tx1"/>
                 </a:solidFill>
@@ -6229,7 +6234,7 @@
               <a:t>Deepanshu</a:t>
             </a:r>
             <a:r>
-              <a:rPr lang="en-IN" dirty="0" smtClean="0">
+              <a:rPr lang="en-IN" dirty="0">
                 <a:solidFill>
                   <a:schemeClr val="tx1"/>
                 </a:solidFill>
@@ -6240,7 +6245,7 @@
           <a:p>
             <a:pPr algn="l"/>
             <a:r>
-              <a:rPr lang="en-IN" dirty="0" err="1" smtClean="0">
+              <a:rPr lang="en-IN" dirty="0" err="1">
                 <a:solidFill>
                   <a:schemeClr val="tx1"/>
                 </a:solidFill>
@@ -6248,7 +6253,7 @@
               <a:t>Santvana</a:t>
             </a:r>
             <a:r>
-              <a:rPr lang="en-IN" dirty="0" smtClean="0">
+              <a:rPr lang="en-IN" dirty="0">
                 <a:solidFill>
                   <a:schemeClr val="tx1"/>
                 </a:solidFill>
@@ -6259,7 +6264,7 @@
           <a:p>
             <a:pPr algn="l"/>
             <a:r>
-              <a:rPr lang="en-IN" dirty="0" err="1" smtClean="0">
+              <a:rPr lang="en-IN" dirty="0" err="1">
                 <a:solidFill>
                   <a:schemeClr val="tx1"/>
                 </a:solidFill>
@@ -6267,18 +6272,13 @@
               <a:t>Sukriti</a:t>
             </a:r>
             <a:r>
-              <a:rPr lang="en-IN" dirty="0" smtClean="0">
+              <a:rPr lang="en-IN" dirty="0">
                 <a:solidFill>
                   <a:schemeClr val="tx1"/>
                 </a:solidFill>
               </a:rPr>
               <a:t> Shukla</a:t>
             </a:r>
-            <a:endParaRPr lang="en-IN" dirty="0">
-              <a:solidFill>
-                <a:schemeClr val="tx1"/>
-              </a:solidFill>
-            </a:endParaRPr>
           </a:p>
         </p:txBody>
       </p:sp>
@@ -6292,13 +6292,6 @@
   <p:clrMapOvr>
     <a:masterClrMapping/>
   </p:clrMapOvr>
-  <p:timing>
-    <p:tnLst>
-      <p:par>
-        <p:cTn id="1" dur="indefinite" restart="never" nodeType="tmRoot"/>
-      </p:par>
-    </p:tnLst>
-  </p:timing>
 </p:sld>
 </file>
 
@@ -6335,10 +6328,9 @@
           <a:lstStyle/>
           <a:p>
             <a:r>
-              <a:rPr lang="en-IN" dirty="0" smtClean="0"/>
+              <a:rPr lang="en-IN" dirty="0"/>
               <a:t>Flow</a:t>
             </a:r>
-            <a:endParaRPr lang="en-IN" dirty="0"/>
           </a:p>
         </p:txBody>
       </p:sp>
@@ -6358,31 +6350,31 @@
           <a:lstStyle/>
           <a:p>
             <a:r>
-              <a:rPr lang="en-IN" dirty="0" smtClean="0"/>
+              <a:rPr lang="en-IN" dirty="0"/>
               <a:t>Problem Statement</a:t>
             </a:r>
           </a:p>
           <a:p>
             <a:r>
-              <a:rPr lang="en-IN" dirty="0" smtClean="0"/>
+              <a:rPr lang="en-IN" dirty="0"/>
               <a:t>Assumptions</a:t>
             </a:r>
           </a:p>
           <a:p>
             <a:r>
-              <a:rPr lang="en-IN" dirty="0" smtClean="0"/>
+              <a:rPr lang="en-IN" dirty="0"/>
               <a:t>Tech Stack Used</a:t>
             </a:r>
           </a:p>
           <a:p>
             <a:r>
-              <a:rPr lang="en-IN" dirty="0" smtClean="0"/>
+              <a:rPr lang="en-IN" dirty="0"/>
               <a:t>Solution</a:t>
             </a:r>
           </a:p>
           <a:p>
             <a:r>
-              <a:rPr lang="en-IN" dirty="0" smtClean="0"/>
+              <a:rPr lang="en-IN" dirty="0"/>
               <a:t>Highlights</a:t>
             </a:r>
           </a:p>
@@ -6398,13 +6390,6 @@
   <p:clrMapOvr>
     <a:masterClrMapping/>
   </p:clrMapOvr>
-  <p:timing>
-    <p:tnLst>
-      <p:par>
-        <p:cTn id="1" dur="indefinite" restart="never" nodeType="tmRoot"/>
-      </p:par>
-    </p:tnLst>
-  </p:timing>
 </p:sld>
 </file>
 
@@ -6449,7 +6434,7 @@
               <a:buNone/>
             </a:pPr>
             <a:r>
-              <a:rPr lang="en-IN" dirty="0" smtClean="0">
+              <a:rPr lang="en-IN" dirty="0">
                 <a:solidFill>
                   <a:schemeClr val="bg2">
                     <a:lumMod val="40000"/>
@@ -6460,7 +6445,7 @@
               <a:t>#</a:t>
             </a:r>
             <a:r>
-              <a:rPr lang="en-IN" dirty="0" err="1" smtClean="0">
+              <a:rPr lang="en-IN" dirty="0" err="1">
                 <a:solidFill>
                   <a:schemeClr val="bg2">
                     <a:lumMod val="40000"/>
@@ -6505,7 +6490,7 @@
               <a:buNone/>
             </a:pPr>
             <a:r>
-              <a:rPr lang="en-IN" dirty="0" smtClean="0">
+              <a:rPr lang="en-IN" dirty="0">
                 <a:solidFill>
                   <a:schemeClr val="bg2">
                     <a:lumMod val="40000"/>
@@ -6515,14 +6500,6 @@
               </a:rPr>
               <a:t>#Problem Statement</a:t>
             </a:r>
-            <a:endParaRPr lang="en-IN" dirty="0">
-              <a:solidFill>
-                <a:schemeClr val="bg2">
-                  <a:lumMod val="40000"/>
-                  <a:lumOff val="60000"/>
-                </a:schemeClr>
-              </a:solidFill>
-            </a:endParaRPr>
           </a:p>
         </p:txBody>
       </p:sp>
@@ -6586,12 +6563,8 @@
               <a:buChar char="•"/>
             </a:pPr>
             <a:r>
-              <a:rPr lang="en-US" sz="1400" dirty="0" smtClean="0"/>
-              <a:t>Client </a:t>
-            </a:r>
-            <a:r>
               <a:rPr lang="en-US" sz="1400" dirty="0"/>
-              <a:t>Vision is unable to populate data in Excel and </a:t>
+              <a:t>Client Vision is unable to populate data in Excel and </a:t>
             </a:r>
             <a:r>
               <a:rPr lang="en-US" sz="1400" dirty="0" err="1"/>
@@ -6608,12 +6581,8 @@
               <a:buChar char="•"/>
             </a:pPr>
             <a:r>
-              <a:rPr lang="en-US" sz="1400" dirty="0" smtClean="0"/>
-              <a:t>Respective </a:t>
-            </a:r>
-            <a:r>
               <a:rPr lang="en-US" sz="1400" dirty="0"/>
-              <a:t>pipeline reports and strategic corridor decks are populated on bi-weekly basis to track progress of pipelines which can be time consuming.</a:t>
+              <a:t>Respective pipeline reports and strategic corridor decks are populated on bi-weekly basis to track progress of pipelines which can be time consuming.</a:t>
             </a:r>
           </a:p>
           <a:p>
@@ -6622,12 +6591,8 @@
               <a:buChar char="•"/>
             </a:pPr>
             <a:r>
-              <a:rPr lang="en-US" sz="1400" dirty="0" smtClean="0"/>
-              <a:t>Inconsistent </a:t>
-            </a:r>
-            <a:r>
               <a:rPr lang="en-US" sz="1400" dirty="0"/>
-              <a:t>reporting as there are many systems and pipeline reporting format.</a:t>
+              <a:t>Inconsistent reporting as there are many systems and pipeline reporting format.</a:t>
             </a:r>
           </a:p>
           <a:p>
@@ -6662,8 +6627,16 @@
               <a:buChar char="•"/>
             </a:pPr>
             <a:r>
-              <a:rPr lang="en-IN" sz="1400" dirty="0" smtClean="0"/>
-              <a:t>Made a custom data set to resemble Jenkins Pipeline report which goes as an input to the prototype.</a:t>
+              <a:rPr lang="en-IN" sz="1400" dirty="0"/>
+              <a:t>Made a custom(dummy ) pipeline data to resemble Client Vision</a:t>
+            </a:r>
+            <a:r>
+              <a:rPr lang="en-IN" sz="1400"/>
+              <a:t>/CME data </a:t>
+            </a:r>
+            <a:r>
+              <a:rPr lang="en-IN" sz="1400" dirty="0"/>
+              <a:t>which goes as an input to the prototype.</a:t>
             </a:r>
           </a:p>
           <a:p>
@@ -6672,15 +6645,15 @@
               <a:buChar char="•"/>
             </a:pPr>
             <a:r>
-              <a:rPr lang="en-IN" sz="1400" dirty="0" smtClean="0"/>
+              <a:rPr lang="en-IN" sz="1400" dirty="0"/>
               <a:t>Incoming files to the prototype are  in .</a:t>
             </a:r>
             <a:r>
-              <a:rPr lang="en-IN" sz="1400" dirty="0" err="1" smtClean="0"/>
+              <a:rPr lang="en-IN" sz="1400" dirty="0" err="1"/>
               <a:t>xls</a:t>
             </a:r>
             <a:r>
-              <a:rPr lang="en-IN" sz="1400" dirty="0" smtClean="0"/>
+              <a:rPr lang="en-IN" sz="1400" dirty="0"/>
               <a:t> format.</a:t>
             </a:r>
           </a:p>
@@ -6690,15 +6663,15 @@
               <a:buChar char="•"/>
             </a:pPr>
             <a:r>
-              <a:rPr lang="en-IN" sz="1400" dirty="0" smtClean="0"/>
+              <a:rPr lang="en-IN" sz="1400" dirty="0"/>
               <a:t>The statistical report output will be populated excel and </a:t>
             </a:r>
             <a:r>
-              <a:rPr lang="en-IN" sz="1400" dirty="0" err="1" smtClean="0"/>
+              <a:rPr lang="en-IN" sz="1400" dirty="0" err="1"/>
               <a:t>powerpoint</a:t>
             </a:r>
             <a:r>
-              <a:rPr lang="en-IN" sz="1400" dirty="0" smtClean="0"/>
+              <a:rPr lang="en-IN" sz="1400" dirty="0"/>
               <a:t> format for developing strategies.</a:t>
             </a:r>
           </a:p>
@@ -6726,7 +6699,7 @@
           <a:lstStyle/>
           <a:p>
             <a:r>
-              <a:rPr lang="en-IN" sz="2000" dirty="0" smtClean="0">
+              <a:rPr lang="en-IN" sz="2000" dirty="0">
                 <a:solidFill>
                   <a:schemeClr val="bg2">
                     <a:lumMod val="40000"/>
@@ -6757,13 +6730,6 @@
   <p:clrMapOvr>
     <a:masterClrMapping/>
   </p:clrMapOvr>
-  <p:timing>
-    <p:tnLst>
-      <p:par>
-        <p:cTn id="1" dur="indefinite" restart="never" nodeType="tmRoot"/>
-      </p:par>
-    </p:tnLst>
-  </p:timing>
 </p:sld>
 </file>
 
@@ -6800,21 +6766,67 @@
           <a:lstStyle/>
           <a:p>
             <a:r>
-              <a:rPr lang="en-IN" dirty="0" smtClean="0"/>
+              <a:rPr lang="en-IN" dirty="0"/>
               <a:t>Tech Stack Used</a:t>
             </a:r>
+          </a:p>
+        </p:txBody>
+      </p:sp>
+      <p:sp>
+        <p:nvSpPr>
+          <p:cNvPr id="9" name="Content Placeholder 8"/>
+          <p:cNvSpPr>
+            <a:spLocks noGrp="1"/>
+          </p:cNvSpPr>
+          <p:nvPr>
+            <p:ph type="body" idx="1"/>
+          </p:nvPr>
+        </p:nvSpPr>
+        <p:spPr/>
+        <p:txBody>
+          <a:bodyPr/>
+          <a:lstStyle/>
+          <a:p>
+            <a:r>
+              <a:rPr lang="en-IN" dirty="0"/>
+              <a:t>Java SE</a:t>
+            </a:r>
+          </a:p>
+        </p:txBody>
+      </p:sp>
+      <p:sp>
+        <p:nvSpPr>
+          <p:cNvPr id="15" name="Text Placeholder 14"/>
+          <p:cNvSpPr>
+            <a:spLocks noGrp="1"/>
+          </p:cNvSpPr>
+          <p:nvPr>
+            <p:ph type="body" sz="half" idx="15"/>
+          </p:nvPr>
+        </p:nvSpPr>
+        <p:spPr/>
+        <p:txBody>
+          <a:bodyPr/>
+          <a:lstStyle/>
+          <a:p>
             <a:endParaRPr lang="en-IN" dirty="0"/>
           </a:p>
-        </p:txBody>
-      </p:sp>
-      <p:sp>
-        <p:nvSpPr>
-          <p:cNvPr id="9" name="Content Placeholder 8"/>
-          <p:cNvSpPr>
-            <a:spLocks noGrp="1"/>
-          </p:cNvSpPr>
-          <p:nvPr>
-            <p:ph type="body" idx="1"/>
+          <a:p>
+            <a:endParaRPr lang="en-IN" dirty="0"/>
+          </a:p>
+          <a:p>
+            <a:endParaRPr lang="en-IN" dirty="0"/>
+          </a:p>
+        </p:txBody>
+      </p:sp>
+      <p:sp>
+        <p:nvSpPr>
+          <p:cNvPr id="13" name="Text Placeholder 12"/>
+          <p:cNvSpPr>
+            <a:spLocks noGrp="1"/>
+          </p:cNvSpPr>
+          <p:nvPr>
+            <p:ph type="body" sz="quarter" idx="3"/>
           </p:nvPr>
         </p:nvSpPr>
         <p:spPr/>
@@ -6823,20 +6835,20 @@
           <a:lstStyle/>
           <a:p>
             <a:r>
-              <a:rPr lang="en-IN" dirty="0" smtClean="0"/>
-              <a:t>Java SE</a:t>
-            </a:r>
-          </a:p>
-        </p:txBody>
-      </p:sp>
-      <p:sp>
-        <p:nvSpPr>
-          <p:cNvPr id="15" name="Text Placeholder 14"/>
-          <p:cNvSpPr>
-            <a:spLocks noGrp="1"/>
-          </p:cNvSpPr>
-          <p:nvPr>
-            <p:ph type="body" sz="half" idx="15"/>
+              <a:rPr lang="en-IN" dirty="0"/>
+              <a:t>Apache POI</a:t>
+            </a:r>
+          </a:p>
+        </p:txBody>
+      </p:sp>
+      <p:sp>
+        <p:nvSpPr>
+          <p:cNvPr id="16" name="Text Placeholder 15"/>
+          <p:cNvSpPr>
+            <a:spLocks noGrp="1"/>
+          </p:cNvSpPr>
+          <p:nvPr>
+            <p:ph type="body" sz="half" idx="16"/>
           </p:nvPr>
         </p:nvSpPr>
         <p:spPr/>
@@ -6844,24 +6856,18 @@
           <a:bodyPr/>
           <a:lstStyle/>
           <a:p>
-            <a:endParaRPr lang="en-IN" dirty="0" smtClean="0"/>
-          </a:p>
-          <a:p>
             <a:endParaRPr lang="en-IN" dirty="0"/>
           </a:p>
-          <a:p>
-            <a:endParaRPr lang="en-IN" dirty="0"/>
-          </a:p>
-        </p:txBody>
-      </p:sp>
-      <p:sp>
-        <p:nvSpPr>
-          <p:cNvPr id="13" name="Text Placeholder 12"/>
-          <p:cNvSpPr>
-            <a:spLocks noGrp="1"/>
-          </p:cNvSpPr>
-          <p:nvPr>
-            <p:ph type="body" sz="quarter" idx="3"/>
+        </p:txBody>
+      </p:sp>
+      <p:sp>
+        <p:nvSpPr>
+          <p:cNvPr id="14" name="Text Placeholder 13"/>
+          <p:cNvSpPr>
+            <a:spLocks noGrp="1"/>
+          </p:cNvSpPr>
+          <p:nvPr>
+            <p:ph type="body" sz="quarter" idx="13"/>
           </p:nvPr>
         </p:nvSpPr>
         <p:spPr/>
@@ -6870,53 +6876,11 @@
           <a:lstStyle/>
           <a:p>
             <a:r>
-              <a:rPr lang="en-IN" dirty="0" smtClean="0"/>
-              <a:t>Apache POI</a:t>
-            </a:r>
-            <a:endParaRPr lang="en-IN" dirty="0"/>
-          </a:p>
-        </p:txBody>
-      </p:sp>
-      <p:sp>
-        <p:nvSpPr>
-          <p:cNvPr id="16" name="Text Placeholder 15"/>
-          <p:cNvSpPr>
-            <a:spLocks noGrp="1"/>
-          </p:cNvSpPr>
-          <p:nvPr>
-            <p:ph type="body" sz="half" idx="16"/>
-          </p:nvPr>
-        </p:nvSpPr>
-        <p:spPr/>
-        <p:txBody>
-          <a:bodyPr/>
-          <a:lstStyle/>
-          <a:p>
-            <a:endParaRPr lang="en-IN" dirty="0"/>
-          </a:p>
-        </p:txBody>
-      </p:sp>
-      <p:sp>
-        <p:nvSpPr>
-          <p:cNvPr id="14" name="Text Placeholder 13"/>
-          <p:cNvSpPr>
-            <a:spLocks noGrp="1"/>
-          </p:cNvSpPr>
-          <p:nvPr>
-            <p:ph type="body" sz="quarter" idx="13"/>
-          </p:nvPr>
-        </p:nvSpPr>
-        <p:spPr/>
-        <p:txBody>
-          <a:bodyPr/>
-          <a:lstStyle/>
-          <a:p>
-            <a:r>
-              <a:rPr lang="en-IN" dirty="0" smtClean="0"/>
+              <a:rPr lang="en-IN" dirty="0"/>
               <a:t>Apache </a:t>
             </a:r>
             <a:r>
-              <a:rPr lang="en-IN" dirty="0" err="1" smtClean="0"/>
+              <a:rPr lang="en-IN" dirty="0" err="1"/>
               <a:t>aspose</a:t>
             </a:r>
             <a:endParaRPr lang="en-IN" dirty="0"/>
@@ -7073,13 +7037,6 @@
   <p:clrMapOvr>
     <a:masterClrMapping/>
   </p:clrMapOvr>
-  <p:timing>
-    <p:tnLst>
-      <p:par>
-        <p:cTn id="1" dur="indefinite" restart="never" nodeType="tmRoot"/>
-      </p:par>
-    </p:tnLst>
-  </p:timing>
 </p:sld>
 </file>
 
@@ -7116,10 +7073,9 @@
           <a:lstStyle/>
           <a:p>
             <a:r>
-              <a:rPr lang="en-IN" dirty="0" smtClean="0"/>
+              <a:rPr lang="en-IN" dirty="0"/>
               <a:t>Solution</a:t>
             </a:r>
-            <a:endParaRPr lang="en-IN" dirty="0"/>
           </a:p>
         </p:txBody>
       </p:sp>
@@ -7158,10 +7114,9 @@
           <a:p>
             <a:pPr algn="ctr"/>
             <a:r>
-              <a:rPr lang="en-IN" dirty="0" smtClean="0"/>
+              <a:rPr lang="en-IN" dirty="0"/>
               <a:t>Raw Pipeline Data</a:t>
             </a:r>
-            <a:endParaRPr lang="en-IN" dirty="0"/>
           </a:p>
         </p:txBody>
       </p:sp>
@@ -7202,17 +7157,16 @@
           <a:p>
             <a:pPr algn="ctr"/>
             <a:r>
-              <a:rPr lang="en-IN" dirty="0" smtClean="0"/>
+              <a:rPr lang="en-IN" dirty="0"/>
               <a:t>Data Population</a:t>
             </a:r>
             <a:br>
-              <a:rPr lang="en-IN" dirty="0" smtClean="0"/>
+              <a:rPr lang="en-IN" dirty="0"/>
             </a:br>
             <a:r>
-              <a:rPr lang="en-IN" dirty="0" smtClean="0"/>
+              <a:rPr lang="en-IN" dirty="0"/>
               <a:t>Prototype</a:t>
             </a:r>
-            <a:endParaRPr lang="en-IN" dirty="0"/>
           </a:p>
         </p:txBody>
       </p:sp>
@@ -7290,10 +7244,9 @@
           <a:p>
             <a:pPr algn="ctr"/>
             <a:r>
-              <a:rPr lang="en-IN" sz="1000" dirty="0" smtClean="0"/>
+              <a:rPr lang="en-IN" sz="1000" dirty="0"/>
               <a:t>Fetching in </a:t>
             </a:r>
-            <a:endParaRPr lang="en-IN" sz="1000" dirty="0"/>
           </a:p>
         </p:txBody>
       </p:sp>
@@ -7347,7 +7300,7 @@
           <a:p>
             <a:pPr algn="ctr"/>
             <a:r>
-              <a:rPr lang="en-IN" dirty="0" smtClean="0">
+              <a:rPr lang="en-IN" dirty="0">
                 <a:solidFill>
                   <a:schemeClr val="tx1"/>
                 </a:solidFill>
@@ -7355,14 +7308,14 @@
               <a:t>Status Overview</a:t>
             </a:r>
             <a:br>
-              <a:rPr lang="en-IN" dirty="0" smtClean="0">
+              <a:rPr lang="en-IN" dirty="0">
                 <a:solidFill>
                   <a:schemeClr val="tx1"/>
                 </a:solidFill>
               </a:rPr>
             </a:br>
             <a:r>
-              <a:rPr lang="en-IN" dirty="0" smtClean="0">
+              <a:rPr lang="en-IN" dirty="0">
                 <a:solidFill>
                   <a:schemeClr val="tx1"/>
                 </a:solidFill>
@@ -7370,7 +7323,7 @@
               <a:t>(.</a:t>
             </a:r>
             <a:r>
-              <a:rPr lang="en-IN" dirty="0" err="1" smtClean="0">
+              <a:rPr lang="en-IN" dirty="0" err="1">
                 <a:solidFill>
                   <a:schemeClr val="tx1"/>
                 </a:solidFill>
@@ -7378,18 +7331,13 @@
               <a:t>xlsx</a:t>
             </a:r>
             <a:r>
-              <a:rPr lang="en-IN" dirty="0" smtClean="0">
+              <a:rPr lang="en-IN" dirty="0">
                 <a:solidFill>
                   <a:schemeClr val="tx1"/>
                 </a:solidFill>
               </a:rPr>
               <a:t>)</a:t>
             </a:r>
-            <a:endParaRPr lang="en-IN" dirty="0">
-              <a:solidFill>
-                <a:schemeClr val="tx1"/>
-              </a:solidFill>
-            </a:endParaRPr>
           </a:p>
         </p:txBody>
       </p:sp>
@@ -7443,32 +7391,31 @@
           <a:p>
             <a:pPr algn="ctr"/>
             <a:r>
-              <a:rPr lang="en-IN" dirty="0" smtClean="0"/>
+              <a:rPr lang="en-IN" dirty="0"/>
               <a:t>Pie Chart</a:t>
             </a:r>
             <a:br>
-              <a:rPr lang="en-IN" dirty="0" smtClean="0"/>
+              <a:rPr lang="en-IN" dirty="0"/>
             </a:br>
             <a:r>
-              <a:rPr lang="en-IN" dirty="0" smtClean="0"/>
+              <a:rPr lang="en-IN" dirty="0"/>
               <a:t>Representation</a:t>
             </a:r>
             <a:br>
-              <a:rPr lang="en-IN" dirty="0" smtClean="0"/>
+              <a:rPr lang="en-IN" dirty="0"/>
             </a:br>
             <a:r>
-              <a:rPr lang="en-IN" dirty="0" smtClean="0"/>
+              <a:rPr lang="en-IN" dirty="0"/>
               <a:t>(.</a:t>
             </a:r>
             <a:r>
-              <a:rPr lang="en-IN" dirty="0" err="1" smtClean="0"/>
+              <a:rPr lang="en-IN" dirty="0" err="1"/>
               <a:t>ppt</a:t>
             </a:r>
             <a:r>
-              <a:rPr lang="en-IN" dirty="0" smtClean="0"/>
+              <a:rPr lang="en-IN" dirty="0"/>
               <a:t>)</a:t>
             </a:r>
-            <a:endParaRPr lang="en-IN" dirty="0"/>
           </a:p>
         </p:txBody>
       </p:sp>
@@ -7495,49 +7442,48 @@
           <a:lstStyle/>
           <a:p>
             <a:r>
-              <a:rPr lang="en-IN" dirty="0" smtClean="0"/>
+              <a:rPr lang="en-IN" dirty="0"/>
               <a:t>The raw data is the extracted data of the pipelines. During deployment, information like the success, failures, reasons of failures, total deployments, etc., are stored in this raw data </a:t>
             </a:r>
             <a:r>
-              <a:rPr lang="en-IN" dirty="0" err="1" smtClean="0"/>
+              <a:rPr lang="en-IN" dirty="0" err="1"/>
               <a:t>xlsx</a:t>
             </a:r>
             <a:r>
-              <a:rPr lang="en-IN" dirty="0" smtClean="0"/>
+              <a:rPr lang="en-IN" dirty="0"/>
               <a:t> file. </a:t>
             </a:r>
             <a:br>
-              <a:rPr lang="en-IN" dirty="0" smtClean="0"/>
+              <a:rPr lang="en-IN" dirty="0"/>
             </a:br>
             <a:r>
-              <a:rPr lang="en-IN" dirty="0" smtClean="0"/>
+              <a:rPr lang="en-IN" dirty="0"/>
               <a:t>This data is extracted using Apache </a:t>
             </a:r>
             <a:r>
-              <a:rPr lang="en-IN" dirty="0" err="1" smtClean="0"/>
+              <a:rPr lang="en-IN" dirty="0" err="1"/>
               <a:t>aspose</a:t>
             </a:r>
             <a:r>
-              <a:rPr lang="en-IN" dirty="0" smtClean="0"/>
+              <a:rPr lang="en-IN" dirty="0"/>
               <a:t> library and populated using Apache POI library into .</a:t>
             </a:r>
             <a:r>
-              <a:rPr lang="en-IN" dirty="0" err="1" smtClean="0"/>
+              <a:rPr lang="en-IN" dirty="0" err="1"/>
               <a:t>xlsx</a:t>
             </a:r>
             <a:r>
-              <a:rPr lang="en-IN" dirty="0" smtClean="0"/>
+              <a:rPr lang="en-IN" dirty="0"/>
               <a:t> files. The image of pie charts is extracted from these .</a:t>
             </a:r>
             <a:r>
-              <a:rPr lang="en-IN" dirty="0" err="1" smtClean="0"/>
+              <a:rPr lang="en-IN" dirty="0" err="1"/>
               <a:t>xlsx</a:t>
             </a:r>
             <a:r>
-              <a:rPr lang="en-IN" dirty="0" smtClean="0"/>
+              <a:rPr lang="en-IN" dirty="0"/>
               <a:t> files and  forwarded to the ppt.</a:t>
             </a:r>
-            <a:endParaRPr lang="en-IN" dirty="0"/>
           </a:p>
         </p:txBody>
       </p:sp>
@@ -7582,18 +7528,17 @@
           <a:p>
             <a:pPr algn="ctr"/>
             <a:r>
-              <a:rPr lang="en-IN" sz="1000" dirty="0" smtClean="0"/>
+              <a:rPr lang="en-IN" sz="1000" dirty="0"/>
               <a:t>Apache </a:t>
             </a:r>
             <a:r>
-              <a:rPr lang="en-IN" sz="1000" dirty="0" err="1" smtClean="0"/>
+              <a:rPr lang="en-IN" sz="1000" dirty="0" err="1"/>
               <a:t>aspose</a:t>
             </a:r>
             <a:r>
-              <a:rPr lang="en-IN" sz="1000" dirty="0" smtClean="0"/>
+              <a:rPr lang="en-IN" sz="1000" dirty="0"/>
               <a:t> </a:t>
             </a:r>
-            <a:endParaRPr lang="en-IN" sz="1000" dirty="0"/>
           </a:p>
         </p:txBody>
       </p:sp>
@@ -7638,25 +7583,24 @@
           <a:p>
             <a:pPr algn="ctr"/>
             <a:r>
-              <a:rPr lang="en-IN" sz="1000" dirty="0" smtClean="0"/>
+              <a:rPr lang="en-IN" sz="1000" dirty="0"/>
               <a:t>Data population</a:t>
             </a:r>
             <a:br>
-              <a:rPr lang="en-IN" sz="1000" dirty="0" smtClean="0"/>
+              <a:rPr lang="en-IN" sz="1000" dirty="0"/>
             </a:br>
             <a:r>
-              <a:rPr lang="en-IN" sz="1000" dirty="0" smtClean="0"/>
+              <a:rPr lang="en-IN" sz="1000" dirty="0"/>
               <a:t>into .</a:t>
             </a:r>
             <a:r>
-              <a:rPr lang="en-IN" sz="1000" dirty="0" err="1" smtClean="0"/>
+              <a:rPr lang="en-IN" sz="1000" dirty="0" err="1"/>
               <a:t>xlsx</a:t>
             </a:r>
             <a:r>
-              <a:rPr lang="en-IN" sz="1000" dirty="0" smtClean="0"/>
+              <a:rPr lang="en-IN" sz="1000" dirty="0"/>
               <a:t> format</a:t>
             </a:r>
-            <a:endParaRPr lang="en-IN" sz="1000" dirty="0"/>
           </a:p>
         </p:txBody>
       </p:sp>
@@ -7701,10 +7645,9 @@
           <a:p>
             <a:pPr algn="ctr"/>
             <a:r>
-              <a:rPr lang="en-IN" sz="1000" dirty="0" smtClean="0"/>
+              <a:rPr lang="en-IN" sz="1000" dirty="0"/>
               <a:t>Apache POI</a:t>
             </a:r>
-            <a:endParaRPr lang="en-IN" sz="1000" dirty="0"/>
           </a:p>
         </p:txBody>
       </p:sp>
@@ -7758,7 +7701,7 @@
           <a:p>
             <a:pPr algn="ctr"/>
             <a:r>
-              <a:rPr lang="en-IN" dirty="0" smtClean="0">
+              <a:rPr lang="en-IN" dirty="0">
                 <a:solidFill>
                   <a:schemeClr val="tx1"/>
                 </a:solidFill>
@@ -7766,37 +7709,29 @@
               <a:t>Failure </a:t>
             </a:r>
             <a:br>
-              <a:rPr lang="en-IN" dirty="0" smtClean="0">
+              <a:rPr lang="en-IN" dirty="0">
                 <a:solidFill>
                   <a:schemeClr val="tx1"/>
                 </a:solidFill>
               </a:rPr>
             </a:br>
             <a:r>
-              <a:rPr lang="en-IN" dirty="0" smtClean="0">
+              <a:rPr lang="en-IN" dirty="0">
                 <a:solidFill>
                   <a:schemeClr val="tx1"/>
                 </a:solidFill>
               </a:rPr>
               <a:t>Report</a:t>
             </a:r>
-            <a:r>
-              <a:rPr lang="en-IN" dirty="0" smtClean="0">
-                <a:solidFill>
-                  <a:schemeClr val="tx1"/>
-                </a:solidFill>
-              </a:rPr>
-              <a:t/>
-            </a:r>
             <a:br>
-              <a:rPr lang="en-IN" dirty="0" smtClean="0">
+              <a:rPr lang="en-IN" dirty="0">
                 <a:solidFill>
                   <a:schemeClr val="tx1"/>
                 </a:solidFill>
               </a:rPr>
             </a:br>
             <a:r>
-              <a:rPr lang="en-IN" dirty="0" smtClean="0">
+              <a:rPr lang="en-IN" dirty="0">
                 <a:solidFill>
                   <a:schemeClr val="tx1"/>
                 </a:solidFill>
@@ -7804,7 +7739,7 @@
               <a:t>(.</a:t>
             </a:r>
             <a:r>
-              <a:rPr lang="en-IN" dirty="0" err="1" smtClean="0">
+              <a:rPr lang="en-IN" dirty="0" err="1">
                 <a:solidFill>
                   <a:schemeClr val="tx1"/>
                 </a:solidFill>
@@ -7812,18 +7747,13 @@
               <a:t>xlsx</a:t>
             </a:r>
             <a:r>
-              <a:rPr lang="en-IN" dirty="0" smtClean="0">
+              <a:rPr lang="en-IN" dirty="0">
                 <a:solidFill>
                   <a:schemeClr val="tx1"/>
                 </a:solidFill>
               </a:rPr>
               <a:t>)</a:t>
             </a:r>
-            <a:endParaRPr lang="en-IN" dirty="0">
-              <a:solidFill>
-                <a:schemeClr val="tx1"/>
-              </a:solidFill>
-            </a:endParaRPr>
           </a:p>
         </p:txBody>
       </p:sp>
@@ -7934,25 +7864,24 @@
           <a:p>
             <a:pPr algn="ctr"/>
             <a:r>
-              <a:rPr lang="en-IN" sz="1000" dirty="0" smtClean="0"/>
+              <a:rPr lang="en-IN" sz="1000" dirty="0"/>
               <a:t>Data population</a:t>
             </a:r>
             <a:br>
-              <a:rPr lang="en-IN" sz="1000" dirty="0" smtClean="0"/>
+              <a:rPr lang="en-IN" sz="1000" dirty="0"/>
             </a:br>
             <a:r>
-              <a:rPr lang="en-IN" sz="1000" dirty="0" smtClean="0"/>
+              <a:rPr lang="en-IN" sz="1000" dirty="0"/>
               <a:t>into .</a:t>
             </a:r>
             <a:r>
-              <a:rPr lang="en-IN" sz="1000" dirty="0" err="1" smtClean="0"/>
+              <a:rPr lang="en-IN" sz="1000" dirty="0" err="1"/>
               <a:t>xlsx</a:t>
             </a:r>
             <a:r>
-              <a:rPr lang="en-IN" sz="1000" dirty="0" smtClean="0"/>
+              <a:rPr lang="en-IN" sz="1000" dirty="0"/>
               <a:t> format</a:t>
             </a:r>
-            <a:endParaRPr lang="en-IN" sz="1000" dirty="0"/>
           </a:p>
         </p:txBody>
       </p:sp>
@@ -8042,25 +7971,24 @@
           <a:p>
             <a:pPr algn="ctr"/>
             <a:r>
-              <a:rPr lang="en-IN" dirty="0" smtClean="0"/>
+              <a:rPr lang="en-IN" dirty="0"/>
               <a:t>Image 2</a:t>
             </a:r>
             <a:br>
-              <a:rPr lang="en-IN" dirty="0" smtClean="0"/>
+              <a:rPr lang="en-IN" dirty="0"/>
             </a:br>
             <a:r>
-              <a:rPr lang="en-IN" dirty="0" smtClean="0"/>
+              <a:rPr lang="en-IN" dirty="0"/>
               <a:t>(.</a:t>
             </a:r>
             <a:r>
-              <a:rPr lang="en-IN" dirty="0" err="1" smtClean="0"/>
+              <a:rPr lang="en-IN" dirty="0" err="1"/>
               <a:t>png</a:t>
             </a:r>
             <a:r>
-              <a:rPr lang="en-IN" dirty="0" smtClean="0"/>
+              <a:rPr lang="en-IN" dirty="0"/>
               <a:t>)</a:t>
             </a:r>
-            <a:endParaRPr lang="en-IN" dirty="0"/>
           </a:p>
         </p:txBody>
       </p:sp>
@@ -8114,25 +8042,24 @@
           <a:p>
             <a:pPr algn="ctr"/>
             <a:r>
-              <a:rPr lang="en-IN" dirty="0" smtClean="0"/>
+              <a:rPr lang="en-IN" dirty="0"/>
               <a:t>Image 1</a:t>
             </a:r>
             <a:br>
-              <a:rPr lang="en-IN" dirty="0" smtClean="0"/>
+              <a:rPr lang="en-IN" dirty="0"/>
             </a:br>
             <a:r>
-              <a:rPr lang="en-IN" dirty="0" smtClean="0"/>
+              <a:rPr lang="en-IN" dirty="0"/>
               <a:t>(.</a:t>
             </a:r>
             <a:r>
-              <a:rPr lang="en-IN" dirty="0" err="1" smtClean="0"/>
+              <a:rPr lang="en-IN" dirty="0" err="1"/>
               <a:t>png</a:t>
             </a:r>
             <a:r>
-              <a:rPr lang="en-IN" dirty="0" smtClean="0"/>
+              <a:rPr lang="en-IN" dirty="0"/>
               <a:t>)</a:t>
             </a:r>
-            <a:endParaRPr lang="en-IN" dirty="0"/>
           </a:p>
         </p:txBody>
       </p:sp>
@@ -8177,10 +8104,9 @@
           <a:p>
             <a:pPr algn="ctr"/>
             <a:r>
-              <a:rPr lang="en-IN" sz="1000" dirty="0" smtClean="0"/>
+              <a:rPr lang="en-IN" sz="1000" dirty="0"/>
               <a:t>Pie Chart Extraction</a:t>
             </a:r>
-            <a:endParaRPr lang="en-IN" sz="1000" dirty="0"/>
           </a:p>
         </p:txBody>
       </p:sp>
@@ -8333,11 +8259,11 @@
           <a:p>
             <a:pPr algn="ctr"/>
             <a:r>
-              <a:rPr lang="en-IN" sz="1000" dirty="0" smtClean="0"/>
+              <a:rPr lang="en-IN" sz="1000" dirty="0"/>
               <a:t>Adding image 1 to </a:t>
             </a:r>
             <a:r>
-              <a:rPr lang="en-IN" sz="1000" dirty="0" err="1" smtClean="0"/>
+              <a:rPr lang="en-IN" sz="1000" dirty="0" err="1"/>
               <a:t>ppt</a:t>
             </a:r>
             <a:endParaRPr lang="en-IN" sz="1000" dirty="0"/>
@@ -8385,19 +8311,11 @@
           <a:p>
             <a:pPr algn="ctr"/>
             <a:r>
-              <a:rPr lang="en-IN" sz="1000" dirty="0" smtClean="0"/>
-              <a:t>Adding </a:t>
-            </a:r>
-            <a:r>
               <a:rPr lang="en-IN" sz="1000" dirty="0"/>
-              <a:t>i</a:t>
-            </a:r>
-            <a:r>
-              <a:rPr lang="en-IN" sz="1000" dirty="0" smtClean="0"/>
-              <a:t>mage 2 to </a:t>
-            </a:r>
-            <a:r>
-              <a:rPr lang="en-IN" sz="1000" dirty="0" err="1" smtClean="0"/>
+              <a:t>Adding image 2 to </a:t>
+            </a:r>
+            <a:r>
+              <a:rPr lang="en-IN" sz="1000" dirty="0" err="1"/>
               <a:t>ppt</a:t>
             </a:r>
             <a:endParaRPr lang="en-IN" sz="1000" dirty="0"/>
@@ -8445,21 +8363,20 @@
           <a:p>
             <a:pPr algn="ctr"/>
             <a:r>
-              <a:rPr lang="en-IN" sz="1000" dirty="0" smtClean="0"/>
+              <a:rPr lang="en-IN" sz="1000" dirty="0"/>
               <a:t>Apache </a:t>
             </a:r>
             <a:br>
-              <a:rPr lang="en-IN" sz="1000" dirty="0" smtClean="0"/>
+              <a:rPr lang="en-IN" sz="1000" dirty="0"/>
             </a:br>
             <a:r>
-              <a:rPr lang="en-IN" sz="1000" dirty="0" err="1" smtClean="0"/>
+              <a:rPr lang="en-IN" sz="1000" dirty="0" err="1"/>
               <a:t>aspose</a:t>
             </a:r>
             <a:r>
-              <a:rPr lang="en-IN" sz="1000" dirty="0" smtClean="0"/>
+              <a:rPr lang="en-IN" sz="1000" dirty="0"/>
               <a:t> </a:t>
             </a:r>
-            <a:endParaRPr lang="en-IN" sz="1000" dirty="0"/>
           </a:p>
         </p:txBody>
       </p:sp>
@@ -8504,21 +8421,20 @@
           <a:p>
             <a:pPr algn="ctr"/>
             <a:r>
-              <a:rPr lang="en-IN" sz="1000" dirty="0" smtClean="0"/>
+              <a:rPr lang="en-IN" sz="1000" dirty="0"/>
               <a:t>Apache </a:t>
             </a:r>
             <a:br>
-              <a:rPr lang="en-IN" sz="1000" dirty="0" smtClean="0"/>
+              <a:rPr lang="en-IN" sz="1000" dirty="0"/>
             </a:br>
             <a:r>
-              <a:rPr lang="en-IN" sz="1000" dirty="0" err="1" smtClean="0"/>
+              <a:rPr lang="en-IN" sz="1000" dirty="0" err="1"/>
               <a:t>aspose</a:t>
             </a:r>
             <a:r>
-              <a:rPr lang="en-IN" sz="1000" dirty="0" smtClean="0"/>
+              <a:rPr lang="en-IN" sz="1000" dirty="0"/>
               <a:t> </a:t>
             </a:r>
-            <a:endParaRPr lang="en-IN" sz="1000" dirty="0"/>
           </a:p>
         </p:txBody>
       </p:sp>
@@ -8532,13 +8448,6 @@
   <p:clrMapOvr>
     <a:masterClrMapping/>
   </p:clrMapOvr>
-  <p:timing>
-    <p:tnLst>
-      <p:par>
-        <p:cTn id="1" dur="indefinite" restart="never" nodeType="tmRoot"/>
-      </p:par>
-    </p:tnLst>
-  </p:timing>
 </p:sld>
 </file>
 
@@ -8575,10 +8484,9 @@
           <a:lstStyle/>
           <a:p>
             <a:r>
-              <a:rPr lang="en-IN" dirty="0" smtClean="0"/>
+              <a:rPr lang="en-IN" dirty="0"/>
               <a:t>Highlights</a:t>
             </a:r>
-            <a:endParaRPr lang="en-IN" dirty="0"/>
           </a:p>
         </p:txBody>
       </p:sp>
@@ -8603,12 +8511,8 @@
           <a:lstStyle/>
           <a:p>
             <a:r>
-              <a:rPr lang="en-US" dirty="0" smtClean="0"/>
-              <a:t>A prototype </a:t>
-            </a:r>
-            <a:r>
               <a:rPr lang="en-US" dirty="0"/>
-              <a:t>for pipeline reporting which has functions to enable Excel and </a:t>
+              <a:t>A prototype for pipeline reporting which has functions to enable Excel and </a:t>
             </a:r>
             <a:r>
               <a:rPr lang="en-US" dirty="0" err="1"/>
@@ -8616,30 +8520,26 @@
             </a:r>
             <a:r>
               <a:rPr lang="en-US" dirty="0"/>
-              <a:t> </a:t>
-            </a:r>
-            <a:r>
-              <a:rPr lang="en-US" dirty="0" smtClean="0"/>
-              <a:t>reporting.</a:t>
+              <a:t> reporting.</a:t>
             </a:r>
             <a:br>
-              <a:rPr lang="en-US" dirty="0" smtClean="0"/>
+              <a:rPr lang="en-US" dirty="0"/>
             </a:br>
-            <a:endParaRPr lang="en-US" dirty="0" smtClean="0"/>
-          </a:p>
-          <a:p>
-            <a:r>
-              <a:rPr lang="en-IN" dirty="0" smtClean="0"/>
+            <a:endParaRPr lang="en-US" dirty="0"/>
+          </a:p>
+          <a:p>
+            <a:r>
+              <a:rPr lang="en-IN" dirty="0"/>
               <a:t>Statistical (pie chart)  representation of raw pipeline data.</a:t>
             </a:r>
             <a:br>
-              <a:rPr lang="en-IN" dirty="0" smtClean="0"/>
+              <a:rPr lang="en-IN" dirty="0"/>
             </a:br>
-            <a:endParaRPr lang="en-IN" dirty="0" smtClean="0"/>
-          </a:p>
-          <a:p>
-            <a:r>
-              <a:rPr lang="en-IN" dirty="0" smtClean="0"/>
+            <a:endParaRPr lang="en-IN" dirty="0"/>
+          </a:p>
+          <a:p>
+            <a:r>
+              <a:rPr lang="en-IN" dirty="0"/>
               <a:t>Consistent and accurate reporting of pipeline data.</a:t>
             </a:r>
           </a:p>
@@ -8658,13 +8558,6 @@
   <p:clrMapOvr>
     <a:masterClrMapping/>
   </p:clrMapOvr>
-  <p:timing>
-    <p:tnLst>
-      <p:par>
-        <p:cTn id="1" dur="indefinite" restart="never" nodeType="tmRoot"/>
-      </p:par>
-    </p:tnLst>
-  </p:timing>
 </p:sld>
 </file>
 
@@ -8707,10 +8600,9 @@
           <a:p>
             <a:pPr algn="ctr"/>
             <a:r>
-              <a:rPr lang="en-IN" sz="9600" dirty="0" smtClean="0"/>
+              <a:rPr lang="en-IN" sz="9600" dirty="0"/>
               <a:t>Thank You</a:t>
             </a:r>
-            <a:endParaRPr lang="en-IN" sz="9600" dirty="0"/>
           </a:p>
         </p:txBody>
       </p:sp>
@@ -8724,13 +8616,6 @@
   <p:clrMapOvr>
     <a:masterClrMapping/>
   </p:clrMapOvr>
-  <p:timing>
-    <p:tnLst>
-      <p:par>
-        <p:cTn id="1" dur="indefinite" restart="never" nodeType="tmRoot"/>
-      </p:par>
-    </p:tnLst>
-  </p:timing>
 </p:sld>
 </file>
 
